--- a/ppt/RTM講習会_第4部.pptx
+++ b/ppt/RTM講習会_第4部.pptx
@@ -181,10 +181,6 @@
 </p:presentation>
 </file>
 
-<file path=ppt/revisionInfo.xml><?xml version="1.0" encoding="utf-8"?>
-<p1510:revInfo xmlns:a="http://schemas.openxmlformats.org/drawingml/2006/main" xmlns:r="http://schemas.openxmlformats.org/officeDocument/2006/relationships" xmlns:p1510="http://schemas.microsoft.com/office/powerpoint/2015/10/main"/>
-</file>
-
 <file path=ppt/handoutMasters/handoutMaster1.xml><?xml version="1.0" encoding="utf-8"?>
 <p:handoutMaster xmlns:a="http://schemas.openxmlformats.org/drawingml/2006/main" xmlns:r="http://schemas.openxmlformats.org/officeDocument/2006/relationships" xmlns:p="http://schemas.openxmlformats.org/presentationml/2006/main">
   <p:cSld>
@@ -8734,7 +8730,7 @@
           <a:graphicData uri="http://schemas.openxmlformats.org/presentationml/2006/ole">
             <mc:AlternateContent xmlns:mc="http://schemas.openxmlformats.org/markup-compatibility/2006">
               <mc:Choice xmlns:v="urn:schemas-microsoft-com:vml" Requires="v">
-                <p:oleObj spid="_x0000_s1134" name="Corel DESIGNER" r:id="rId18" imgW="2743200" imgH="1536480" progId="Corel DESIGNER.Graphic.10">
+                <p:oleObj spid="_x0000_s1135" name="Corel DESIGNER" r:id="rId18" imgW="2743200" imgH="1536480" progId="Corel DESIGNER.Graphic.10">
                   <p:embed/>
                 </p:oleObj>
               </mc:Choice>
@@ -9264,11 +9260,11 @@
               <a:t>第</a:t>
             </a:r>
             <a:r>
-              <a:rPr lang="en-US" altLang="ja-JP" b="1" dirty="0"/>
-              <a:t>3</a:t>
-            </a:r>
-            <a:r>
-              <a:rPr lang="ja-JP" altLang="en-US" b="1" dirty="0"/>
+              <a:rPr lang="en-US" altLang="ja-JP" b="1"/>
+              <a:t>4</a:t>
+            </a:r>
+            <a:r>
+              <a:rPr lang="ja-JP" altLang="en-US" b="1"/>
               <a:t>部</a:t>
             </a:r>
             <a:br>
@@ -9279,7 +9275,7 @@
               <a:t>RT</a:t>
             </a:r>
             <a:r>
-              <a:rPr lang="ja-JP" altLang="en-US" b="1"/>
+              <a:rPr lang="ja-JP" altLang="en-US" b="1" dirty="0"/>
               <a:t>システム構築実習</a:t>
             </a:r>
             <a:r>
